--- a/week3/nesbitt-week3.pptx
+++ b/week3/nesbitt-week3.pptx
@@ -6,15 +6,16 @@
   </p:sldMasterIdLst>
   <p:sldIdLst>
     <p:sldId id="280" r:id="rId5"/>
-    <p:sldId id="282" r:id="rId6"/>
-    <p:sldId id="284" r:id="rId7"/>
-    <p:sldId id="286" r:id="rId8"/>
-    <p:sldId id="285" r:id="rId9"/>
-    <p:sldId id="287" r:id="rId10"/>
-    <p:sldId id="288" r:id="rId11"/>
-    <p:sldId id="289" r:id="rId12"/>
-    <p:sldId id="290" r:id="rId13"/>
-    <p:sldId id="283" r:id="rId14"/>
+    <p:sldId id="291" r:id="rId6"/>
+    <p:sldId id="282" r:id="rId7"/>
+    <p:sldId id="284" r:id="rId8"/>
+    <p:sldId id="292" r:id="rId9"/>
+    <p:sldId id="285" r:id="rId10"/>
+    <p:sldId id="286" r:id="rId11"/>
+    <p:sldId id="293" r:id="rId12"/>
+    <p:sldId id="294" r:id="rId13"/>
+    <p:sldId id="289" r:id="rId14"/>
+    <p:sldId id="283" r:id="rId15"/>
   </p:sldIdLst>
   <p:sldSz cx="12192000" cy="6858000"/>
   <p:notesSz cx="6858000" cy="9144000"/>
@@ -5987,7 +5988,7 @@
           </a:effectLst>
           <a:extLst>
             <a:ext uri="{91240B29-F687-4f45-9708-019B960494DF}">
-              <a14:hiddenLine xmlns="" xmlns:a14="http://schemas.microsoft.com/office/drawing/2010/main" xmlns:p14="http://schemas.microsoft.com/office/powerpoint/2010/main" xmlns:a16="http://schemas.microsoft.com/office/drawing/2014/main" w="9525">
+              <a14:hiddenLine xmlns:a16="http://schemas.microsoft.com/office/drawing/2014/main" xmlns:p14="http://schemas.microsoft.com/office/powerpoint/2010/main" xmlns:a14="http://schemas.microsoft.com/office/drawing/2010/main" xmlns="" w="9525">
                 <a:solidFill>
                   <a:srgbClr val="000000"/>
                 </a:solidFill>
@@ -6071,7 +6072,7 @@
             <a:pPr algn="l"/>
             <a:r>
               <a:rPr lang="en-US" sz="4000" dirty="0"/>
-              <a:t>RESTful APIs?</a:t>
+              <a:t>What is SOAP?</a:t>
             </a:r>
           </a:p>
         </p:txBody>
@@ -6167,6 +6168,133 @@
           <p:cNvPr id="2" name="Title 1">
             <a:extLst>
               <a:ext uri="{FF2B5EF4-FFF2-40B4-BE49-F238E27FC236}">
+                <a16:creationId xmlns:a16="http://schemas.microsoft.com/office/drawing/2014/main" id="{2F87BF15-58A3-4209-B931-3BC537BD6364}"/>
+              </a:ext>
+            </a:extLst>
+          </p:cNvPr>
+          <p:cNvSpPr>
+            <a:spLocks noGrp="1"/>
+          </p:cNvSpPr>
+          <p:nvPr>
+            <p:ph type="title"/>
+          </p:nvPr>
+        </p:nvSpPr>
+        <p:spPr/>
+        <p:txBody>
+          <a:bodyPr/>
+          <a:lstStyle/>
+          <a:p>
+            <a:r>
+              <a:rPr lang="en-US" dirty="0"/>
+              <a:t>Other SOAP Info</a:t>
+            </a:r>
+          </a:p>
+        </p:txBody>
+      </p:sp>
+      <p:sp>
+        <p:nvSpPr>
+          <p:cNvPr id="3" name="Content Placeholder 2">
+            <a:extLst>
+              <a:ext uri="{FF2B5EF4-FFF2-40B4-BE49-F238E27FC236}">
+                <a16:creationId xmlns:a16="http://schemas.microsoft.com/office/drawing/2014/main" id="{1298ED73-08F3-4912-A2F8-F98D1497A5F7}"/>
+              </a:ext>
+            </a:extLst>
+          </p:cNvPr>
+          <p:cNvSpPr>
+            <a:spLocks noGrp="1"/>
+          </p:cNvSpPr>
+          <p:nvPr>
+            <p:ph idx="1"/>
+          </p:nvPr>
+        </p:nvSpPr>
+        <p:spPr/>
+        <p:txBody>
+          <a:bodyPr>
+            <a:normAutofit/>
+          </a:bodyPr>
+          <a:lstStyle/>
+          <a:p>
+            <a:r>
+              <a:rPr lang="en-US" dirty="0"/>
+              <a:t>SOAP is an actual protocol.</a:t>
+            </a:r>
+          </a:p>
+          <a:p>
+            <a:r>
+              <a:rPr lang="en-US" dirty="0"/>
+              <a:t>SOAP has a set of development rules that must be followed (i.e. standards).</a:t>
+            </a:r>
+          </a:p>
+          <a:p>
+            <a:r>
+              <a:rPr lang="en-US" dirty="0"/>
+              <a:t>Examples of SOAP:</a:t>
+            </a:r>
+          </a:p>
+          <a:p>
+            <a:pPr lvl="1"/>
+            <a:r>
+              <a:rPr lang="en-US" dirty="0"/>
+              <a:t>Use of a client and server for data communication.</a:t>
+            </a:r>
+          </a:p>
+          <a:p>
+            <a:pPr lvl="1"/>
+            <a:r>
+              <a:rPr lang="en-US" dirty="0"/>
+              <a:t>Easier to manage the state.</a:t>
+            </a:r>
+          </a:p>
+          <a:p>
+            <a:pPr lvl="1"/>
+            <a:r>
+              <a:rPr lang="en-US" dirty="0"/>
+              <a:t>Client info can be stored on the server.</a:t>
+            </a:r>
+          </a:p>
+          <a:p>
+            <a:pPr marL="450000" lvl="1" indent="0">
+              <a:buNone/>
+            </a:pPr>
+            <a:endParaRPr lang="en-US" dirty="0"/>
+          </a:p>
+        </p:txBody>
+      </p:sp>
+    </p:spTree>
+    <p:extLst>
+      <p:ext uri="{BB962C8B-B14F-4D97-AF65-F5344CB8AC3E}">
+        <p14:creationId xmlns:p14="http://schemas.microsoft.com/office/powerpoint/2010/main" val="1590527144"/>
+      </p:ext>
+    </p:extLst>
+  </p:cSld>
+  <p:clrMapOvr>
+    <a:masterClrMapping/>
+  </p:clrMapOvr>
+</p:sld>
+</file>
+
+<file path=ppt/slides/slide11.xml><?xml version="1.0" encoding="utf-8"?>
+<p:sld xmlns:a="http://schemas.openxmlformats.org/drawingml/2006/main" xmlns:r="http://schemas.openxmlformats.org/officeDocument/2006/relationships" xmlns:p="http://schemas.openxmlformats.org/presentationml/2006/main">
+  <p:cSld>
+    <p:spTree>
+      <p:nvGrpSpPr>
+        <p:cNvPr id="1" name=""/>
+        <p:cNvGrpSpPr/>
+        <p:nvPr/>
+      </p:nvGrpSpPr>
+      <p:grpSpPr>
+        <a:xfrm>
+          <a:off x="0" y="0"/>
+          <a:ext cx="0" cy="0"/>
+          <a:chOff x="0" y="0"/>
+          <a:chExt cx="0" cy="0"/>
+        </a:xfrm>
+      </p:grpSpPr>
+      <p:sp>
+        <p:nvSpPr>
+          <p:cNvPr id="2" name="Title 1">
+            <a:extLst>
+              <a:ext uri="{FF2B5EF4-FFF2-40B4-BE49-F238E27FC236}">
                 <a16:creationId xmlns:a16="http://schemas.microsoft.com/office/drawing/2014/main" id="{2089DA50-397C-49C8-ACC1-A78511FA0E65}"/>
               </a:ext>
             </a:extLst>
@@ -6215,34 +6343,29 @@
           <a:p>
             <a:r>
               <a:rPr lang="en-US" sz="1200" dirty="0"/>
-              <a:t>Types of APIs (and what's the Difference?). (2020, June 15). </a:t>
-            </a:r>
-            <a:r>
-              <a:rPr lang="en-US" sz="1200" dirty="0" err="1"/>
-              <a:t>RapidAPI</a:t>
-            </a:r>
-            <a:r>
-              <a:rPr lang="en-US" sz="1200" dirty="0"/>
-              <a:t>. Retrieved July 06, 2020, from </a:t>
+              <a:t>REST vs SOAP - Building Modern Applications. (n.d.) Retrieved from </a:t>
             </a:r>
             <a:r>
               <a:rPr lang="en-US" sz="1200" dirty="0">
                 <a:hlinkClick r:id="rId2"/>
               </a:rPr>
-              <a:t>https://rapidapi.com/blog/types-of-apis/</a:t>
-            </a:r>
-            <a:endParaRPr lang="en-US" sz="1200" dirty="0"/>
-          </a:p>
-          <a:p>
+              <a:t>https://auth0.com/learn/rest-vs-soap/#:~:text=Representational%20State%20Transfer%20(REST)%20is,with%20it%20over%20the%20web</a:t>
+            </a:r>
             <a:r>
               <a:rPr lang="en-US" sz="1200" dirty="0"/>
-              <a:t>Todd Fredrich, P. (n.d.). Using HTTP Methods for RESTful Services. Retrieved July 11, 2020, from </a:t>
+              <a:t>.</a:t>
+            </a:r>
+          </a:p>
+          <a:p>
+            <a:r>
+              <a:rPr lang="en-US" sz="1200" dirty="0"/>
+              <a:t>SOAP Tutorial. (n.d.). Retrieved July 17, 2020, from </a:t>
             </a:r>
             <a:r>
               <a:rPr lang="en-US" sz="1200" dirty="0">
                 <a:hlinkClick r:id="rId3"/>
               </a:rPr>
-              <a:t>https://www.restapitutorial.com/lessons/httpmethods.html</a:t>
+              <a:t>https://www.tutorialspoint.com/soap/index.htm</a:t>
             </a:r>
             <a:endParaRPr lang="en-US" sz="1200" dirty="0"/>
           </a:p>
@@ -6251,26 +6374,63 @@
               <a:rPr lang="en-US" sz="1050" dirty="0">
                 <a:effectLst/>
               </a:rPr>
-              <a:t>What are the advantages of a REST API? (2019, June 05). Retrieved July 11, 2020, from </a:t>
+              <a:t>XML Soap (n.d.). Retrieved July 17, 2020, from </a:t>
             </a:r>
             <a:r>
               <a:rPr lang="en-US" sz="1050" dirty="0">
                 <a:effectLst/>
                 <a:hlinkClick r:id="rId4"/>
               </a:rPr>
-              <a:t>https://www.chakray.com/advantages-of-rest-api/</a:t>
+              <a:t>https://www.w3schools.com/xml/xml_soap.asp</a:t>
             </a:r>
             <a:endParaRPr lang="en-US" sz="1050" dirty="0">
               <a:effectLst/>
             </a:endParaRPr>
           </a:p>
           <a:p>
+            <a:r>
+              <a:rPr lang="en-US" sz="1000" dirty="0">
+                <a:effectLst/>
+              </a:rPr>
+              <a:t>About </a:t>
+            </a:r>
+            <a:r>
+              <a:rPr lang="en-US" sz="1000" dirty="0" err="1">
+                <a:effectLst/>
+              </a:rPr>
+              <a:t>StackifyStackify</a:t>
+            </a:r>
+            <a:r>
+              <a:rPr lang="en-US" sz="1000" dirty="0">
+                <a:effectLst/>
+              </a:rPr>
+              <a:t> provides developer teams with unparalleled visibility and insight into application health and behavior. (2020, July 07). SOAP vs. REST Comparison: Differences in Performance, APIs &amp; More. Retrieved July 17, 2020, from </a:t>
+            </a:r>
+            <a:r>
+              <a:rPr lang="en-US" sz="1000" dirty="0">
+                <a:effectLst/>
+                <a:hlinkClick r:id="rId5"/>
+              </a:rPr>
+              <a:t>https://stackify.com/soap-vs-rest/</a:t>
+            </a:r>
+            <a:endParaRPr lang="en-US" sz="1000" dirty="0">
+              <a:effectLst/>
+            </a:endParaRPr>
+          </a:p>
+          <a:p>
+            <a:endParaRPr lang="en-US" sz="900" dirty="0">
+              <a:effectLst/>
+            </a:endParaRPr>
+          </a:p>
+          <a:p>
             <a:endParaRPr lang="en-US" sz="1050" dirty="0">
               <a:effectLst/>
             </a:endParaRPr>
           </a:p>
           <a:p>
-            <a:endParaRPr lang="en-US" sz="1200" dirty="0"/>
+            <a:endParaRPr lang="en-US" sz="1050" dirty="0">
+              <a:effectLst/>
+            </a:endParaRPr>
           </a:p>
           <a:p>
             <a:endParaRPr lang="en-US" sz="1200" dirty="0"/>
@@ -6315,7 +6475,7 @@
           <p:cNvPr id="2" name="Title 1">
             <a:extLst>
               <a:ext uri="{FF2B5EF4-FFF2-40B4-BE49-F238E27FC236}">
-                <a16:creationId xmlns:a16="http://schemas.microsoft.com/office/drawing/2014/main" id="{521F5F59-B9AA-45B0-8CB0-A431155931A9}"/>
+                <a16:creationId xmlns:a16="http://schemas.microsoft.com/office/drawing/2014/main" id="{C3718959-6770-477F-9AF4-D11C8DC94E8F}"/>
               </a:ext>
             </a:extLst>
           </p:cNvPr>
@@ -6333,7 +6493,7 @@
           <a:p>
             <a:r>
               <a:rPr lang="en-US" dirty="0"/>
-              <a:t>What are RESTful APIs?</a:t>
+              <a:t>Presentation Objectives</a:t>
             </a:r>
           </a:p>
         </p:txBody>
@@ -6343,7 +6503,7 @@
           <p:cNvPr id="3" name="Content Placeholder 2">
             <a:extLst>
               <a:ext uri="{FF2B5EF4-FFF2-40B4-BE49-F238E27FC236}">
-                <a16:creationId xmlns:a16="http://schemas.microsoft.com/office/drawing/2014/main" id="{6AB4AEB3-79BC-4E87-A8D7-6137BE9E18C6}"/>
+                <a16:creationId xmlns:a16="http://schemas.microsoft.com/office/drawing/2014/main" id="{A6AAC744-22CB-4330-AC3C-DAE459443112}"/>
               </a:ext>
             </a:extLst>
           </p:cNvPr>
@@ -6356,100 +6516,56 @@
         </p:nvSpPr>
         <p:spPr/>
         <p:txBody>
-          <a:bodyPr>
-            <a:normAutofit/>
-          </a:bodyPr>
+          <a:bodyPr/>
           <a:lstStyle/>
           <a:p>
             <a:r>
-              <a:rPr lang="en-US" sz="2000" dirty="0"/>
-              <a:t>REST stands for </a:t>
-            </a:r>
-            <a:r>
-              <a:rPr lang="en-US" sz="2000" b="1" dirty="0">
-                <a:solidFill>
-                  <a:srgbClr val="FF0000"/>
-                </a:solidFill>
-              </a:rPr>
-              <a:t>Re</a:t>
-            </a:r>
-            <a:r>
-              <a:rPr lang="en-US" sz="2000" dirty="0"/>
-              <a:t>presentational </a:t>
-            </a:r>
-            <a:r>
-              <a:rPr lang="en-US" sz="2000" b="1" dirty="0">
-                <a:solidFill>
-                  <a:srgbClr val="FF0000"/>
-                </a:solidFill>
-              </a:rPr>
-              <a:t>S</a:t>
-            </a:r>
-            <a:r>
-              <a:rPr lang="en-US" sz="2000" dirty="0"/>
-              <a:t>tate </a:t>
-            </a:r>
-            <a:r>
-              <a:rPr lang="en-US" sz="2000" b="1" dirty="0">
-                <a:solidFill>
-                  <a:srgbClr val="FF0000"/>
-                </a:solidFill>
-              </a:rPr>
-              <a:t>T</a:t>
-            </a:r>
-            <a:r>
-              <a:rPr lang="en-US" sz="2000" dirty="0"/>
-              <a:t>ransfer</a:t>
-            </a:r>
-          </a:p>
-          <a:p>
-            <a:r>
-              <a:rPr lang="en-US" sz="2000" dirty="0"/>
-              <a:t>Also known as a RESTful web services</a:t>
-            </a:r>
-          </a:p>
-          <a:p>
-            <a:r>
-              <a:rPr lang="en-US" sz="2000" dirty="0"/>
-              <a:t>Web services that are designed to follow the REST methodology.</a:t>
-            </a:r>
-          </a:p>
-          <a:p>
-            <a:r>
-              <a:rPr lang="en-US" sz="2000" dirty="0"/>
-              <a:t>Follow specific constraints in which to build web services.</a:t>
-            </a:r>
-          </a:p>
-          <a:p>
-            <a:r>
-              <a:rPr lang="en-US" sz="2000" dirty="0"/>
-              <a:t>Used as part of development in modern web applications.</a:t>
-            </a:r>
-          </a:p>
-          <a:p>
-            <a:r>
-              <a:rPr lang="en-US" sz="2000" dirty="0"/>
-              <a:t>An alternative to the SOAP, XML-RPC, and JSON-RPC API frameworks.</a:t>
-            </a:r>
-          </a:p>
-          <a:p>
-            <a:pPr marL="36900" indent="0">
-              <a:buNone/>
-            </a:pPr>
-            <a:endParaRPr lang="en-US" sz="2000" dirty="0"/>
-          </a:p>
-          <a:p>
-            <a:endParaRPr lang="en-US" sz="2000" dirty="0"/>
-          </a:p>
-          <a:p>
-            <a:endParaRPr lang="en-US" sz="2000" dirty="0"/>
+              <a:rPr lang="en-US" dirty="0"/>
+              <a:t>Show the definition of SOAP </a:t>
+            </a:r>
+          </a:p>
+          <a:p>
+            <a:r>
+              <a:rPr lang="en-US" dirty="0"/>
+              <a:t>Define the reasons to implement SOAP</a:t>
+            </a:r>
+          </a:p>
+          <a:p>
+            <a:r>
+              <a:rPr lang="en-US" dirty="0"/>
+              <a:t>Define the pros and cons of SOAP</a:t>
+            </a:r>
+          </a:p>
+          <a:p>
+            <a:r>
+              <a:rPr lang="en-US" dirty="0"/>
+              <a:t>Describe the SOAP components</a:t>
+            </a:r>
+          </a:p>
+          <a:p>
+            <a:r>
+              <a:rPr lang="en-US" dirty="0"/>
+              <a:t>Discuss how SOAP works</a:t>
+            </a:r>
+          </a:p>
+          <a:p>
+            <a:r>
+              <a:rPr lang="en-US" dirty="0"/>
+              <a:t>Describe SOAP specification</a:t>
+            </a:r>
+          </a:p>
+          <a:p>
+            <a:r>
+              <a:rPr lang="en-US" dirty="0"/>
+              <a:t>Differentiate SOAP and REST</a:t>
+            </a:r>
           </a:p>
         </p:txBody>
       </p:sp>
     </p:spTree>
     <p:extLst>
       <p:ext uri="{BB962C8B-B14F-4D97-AF65-F5344CB8AC3E}">
-        <p14:creationId xmlns:p14="http://schemas.microsoft.com/office/powerpoint/2010/main" val="967940879"/>
+        <p14:creationId xmlns:p14="http://schemas.microsoft.com/office/powerpoint/2010/main" val="2112454155"/>
       </p:ext>
     </p:extLst>
   </p:cSld>
@@ -6481,7 +6597,7 @@
           <p:cNvPr id="2" name="Title 1">
             <a:extLst>
               <a:ext uri="{FF2B5EF4-FFF2-40B4-BE49-F238E27FC236}">
-                <a16:creationId xmlns:a16="http://schemas.microsoft.com/office/drawing/2014/main" id="{4C8604BF-2875-4884-A5CD-F0FB9D5F7C13}"/>
+                <a16:creationId xmlns:a16="http://schemas.microsoft.com/office/drawing/2014/main" id="{521F5F59-B9AA-45B0-8CB0-A431155931A9}"/>
               </a:ext>
             </a:extLst>
           </p:cNvPr>
@@ -6499,7 +6615,7 @@
           <a:p>
             <a:r>
               <a:rPr lang="en-US" dirty="0"/>
-              <a:t>Features of RESTful APIs</a:t>
+              <a:t>What is SOAP?</a:t>
             </a:r>
           </a:p>
         </p:txBody>
@@ -6509,7 +6625,7 @@
           <p:cNvPr id="3" name="Content Placeholder 2">
             <a:extLst>
               <a:ext uri="{FF2B5EF4-FFF2-40B4-BE49-F238E27FC236}">
-                <a16:creationId xmlns:a16="http://schemas.microsoft.com/office/drawing/2014/main" id="{FBBDF963-E111-4EF4-9349-157B66E1762A}"/>
+                <a16:creationId xmlns:a16="http://schemas.microsoft.com/office/drawing/2014/main" id="{6AB4AEB3-79BC-4E87-A8D7-6137BE9E18C6}"/>
               </a:ext>
             </a:extLst>
           </p:cNvPr>
@@ -6528,63 +6644,112 @@
           <a:lstStyle/>
           <a:p>
             <a:r>
-              <a:rPr lang="en-US" dirty="0"/>
-              <a:t>They follow certain constraints to make them RESTful.</a:t>
-            </a:r>
-          </a:p>
-          <a:p>
-            <a:pPr lvl="1"/>
-            <a:r>
-              <a:rPr lang="en-US" dirty="0"/>
-              <a:t>They are designed as stateless.</a:t>
-            </a:r>
-          </a:p>
-          <a:p>
-            <a:pPr lvl="1"/>
-            <a:r>
-              <a:rPr lang="en-US" dirty="0"/>
-              <a:t>They should be cacheable.</a:t>
-            </a:r>
-          </a:p>
-          <a:p>
-            <a:pPr lvl="1"/>
-            <a:r>
-              <a:rPr lang="en-US" dirty="0"/>
-              <a:t>They should be part of a uniform interface.</a:t>
-            </a:r>
-          </a:p>
-          <a:p>
-            <a:pPr lvl="1"/>
-            <a:r>
-              <a:rPr lang="en-US" dirty="0"/>
-              <a:t>Data transfer takes place via client-server.</a:t>
-            </a:r>
-          </a:p>
-          <a:p>
-            <a:pPr lvl="1"/>
-            <a:r>
-              <a:rPr lang="en-US" dirty="0"/>
-              <a:t>Designed to be part of a layered model.</a:t>
-            </a:r>
-          </a:p>
-          <a:p>
-            <a:endParaRPr lang="en-US" dirty="0"/>
-          </a:p>
-          <a:p>
-            <a:endParaRPr lang="en-US" dirty="0"/>
-          </a:p>
-          <a:p>
-            <a:endParaRPr lang="en-US" dirty="0"/>
-          </a:p>
-          <a:p>
-            <a:endParaRPr lang="en-US" dirty="0"/>
+              <a:rPr lang="en-US" sz="2000" dirty="0"/>
+              <a:t>Stands for </a:t>
+            </a:r>
+            <a:r>
+              <a:rPr lang="en-US" sz="2000" b="1" dirty="0">
+                <a:solidFill>
+                  <a:srgbClr val="FF0000"/>
+                </a:solidFill>
+              </a:rPr>
+              <a:t>S</a:t>
+            </a:r>
+            <a:r>
+              <a:rPr lang="en-US" sz="2000" dirty="0"/>
+              <a:t>imple </a:t>
+            </a:r>
+            <a:r>
+              <a:rPr lang="en-US" sz="2000" b="1" dirty="0">
+                <a:solidFill>
+                  <a:srgbClr val="FF0000"/>
+                </a:solidFill>
+              </a:rPr>
+              <a:t>O</a:t>
+            </a:r>
+            <a:r>
+              <a:rPr lang="en-US" sz="2000" dirty="0"/>
+              <a:t>bject </a:t>
+            </a:r>
+            <a:r>
+              <a:rPr lang="en-US" sz="2000" b="1" dirty="0">
+                <a:solidFill>
+                  <a:srgbClr val="FF0000"/>
+                </a:solidFill>
+              </a:rPr>
+              <a:t>A</a:t>
+            </a:r>
+            <a:r>
+              <a:rPr lang="en-US" sz="2000" dirty="0"/>
+              <a:t>ccess </a:t>
+            </a:r>
+            <a:r>
+              <a:rPr lang="en-US" sz="2000" b="1" dirty="0">
+                <a:solidFill>
+                  <a:srgbClr val="FF0000"/>
+                </a:solidFill>
+              </a:rPr>
+              <a:t>P</a:t>
+            </a:r>
+            <a:r>
+              <a:rPr lang="en-US" sz="2000" dirty="0"/>
+              <a:t>rotocol</a:t>
+            </a:r>
+          </a:p>
+          <a:p>
+            <a:r>
+              <a:rPr lang="en-US" sz="2000" dirty="0"/>
+              <a:t>It is a standard protocol for developing web services.</a:t>
+            </a:r>
+          </a:p>
+          <a:p>
+            <a:r>
+              <a:rPr lang="en-US" sz="2000" dirty="0"/>
+              <a:t>Enables communication between two systems.</a:t>
+            </a:r>
+          </a:p>
+          <a:p>
+            <a:r>
+              <a:rPr lang="en-US" sz="2000" dirty="0"/>
+              <a:t>Has specific standards on how to build its services.</a:t>
+            </a:r>
+          </a:p>
+          <a:p>
+            <a:r>
+              <a:rPr lang="en-US" sz="2000" dirty="0"/>
+              <a:t>Used in development of larger modern web applications.</a:t>
+            </a:r>
+          </a:p>
+          <a:p>
+            <a:r>
+              <a:rPr lang="en-US" sz="2000" dirty="0"/>
+              <a:t>An alternative to the REST pattern (REST is not a protocol).</a:t>
+            </a:r>
+          </a:p>
+          <a:p>
+            <a:r>
+              <a:rPr lang="en-US" sz="2000" dirty="0"/>
+              <a:t>Returns XML-based responses.</a:t>
+            </a:r>
+          </a:p>
+          <a:p>
+            <a:pPr marL="36900" indent="0">
+              <a:buNone/>
+            </a:pPr>
+            <a:endParaRPr lang="en-US" sz="2000" dirty="0"/>
+          </a:p>
+          <a:p>
+            <a:endParaRPr lang="en-US" sz="2000" dirty="0"/>
+          </a:p>
+          <a:p>
+            <a:endParaRPr lang="en-US" sz="2000" dirty="0"/>
           </a:p>
         </p:txBody>
       </p:sp>
     </p:spTree>
     <p:extLst>
       <p:ext uri="{BB962C8B-B14F-4D97-AF65-F5344CB8AC3E}">
-        <p14:creationId xmlns:p14="http://schemas.microsoft.com/office/powerpoint/2010/main" val="1008633566"/>
+        <p14:creationId xmlns:p14="http://schemas.microsoft.com/office/powerpoint/2010/main" val="967940879"/>
       </p:ext>
     </p:extLst>
   </p:cSld>
@@ -6616,7 +6781,7 @@
           <p:cNvPr id="2" name="Title 1">
             <a:extLst>
               <a:ext uri="{FF2B5EF4-FFF2-40B4-BE49-F238E27FC236}">
-                <a16:creationId xmlns:a16="http://schemas.microsoft.com/office/drawing/2014/main" id="{EBE66526-7295-40C1-9B2D-97552AC603CB}"/>
+                <a16:creationId xmlns:a16="http://schemas.microsoft.com/office/drawing/2014/main" id="{4C8604BF-2875-4884-A5CD-F0FB9D5F7C13}"/>
               </a:ext>
             </a:extLst>
           </p:cNvPr>
@@ -6634,7 +6799,7 @@
           <a:p>
             <a:r>
               <a:rPr lang="en-US" dirty="0"/>
-              <a:t>How a RESTful API works</a:t>
+              <a:t>Why Implement SOAP? (Pros)</a:t>
             </a:r>
           </a:p>
         </p:txBody>
@@ -6644,7 +6809,7 @@
           <p:cNvPr id="3" name="Content Placeholder 2">
             <a:extLst>
               <a:ext uri="{FF2B5EF4-FFF2-40B4-BE49-F238E27FC236}">
-                <a16:creationId xmlns:a16="http://schemas.microsoft.com/office/drawing/2014/main" id="{B900E5AC-6FEA-4D9D-A0C6-A0BD0B28E012}"/>
+                <a16:creationId xmlns:a16="http://schemas.microsoft.com/office/drawing/2014/main" id="{FBBDF963-E111-4EF4-9349-157B66E1762A}"/>
               </a:ext>
             </a:extLst>
           </p:cNvPr>
@@ -6655,46 +6820,62 @@
             <p:ph idx="1"/>
           </p:nvPr>
         </p:nvSpPr>
-        <p:spPr>
-          <a:xfrm>
-            <a:off x="752768" y="2064948"/>
-            <a:ext cx="10353762" cy="3714749"/>
-          </a:xfrm>
-        </p:spPr>
+        <p:spPr/>
         <p:txBody>
           <a:bodyPr>
-            <a:normAutofit/>
+            <a:normAutofit fontScale="92500" lnSpcReduction="10000"/>
           </a:bodyPr>
           <a:lstStyle/>
           <a:p>
             <a:r>
               <a:rPr lang="en-US" dirty="0"/>
-              <a:t>The user accesses the data with their web browser.</a:t>
+              <a:t>It uses WSDL (Web Service Definition Language) XML documents which make it easy to learn to develop.</a:t>
             </a:r>
           </a:p>
           <a:p>
             <a:r>
               <a:rPr lang="en-US" dirty="0"/>
-              <a:t>The server serves the requests and sends the data that is being accessed.</a:t>
+              <a:t>It is reliable when put into use.</a:t>
             </a:r>
           </a:p>
           <a:p>
             <a:r>
               <a:rPr lang="en-US" dirty="0"/>
-              <a:t>The user accessing data is requesting a URI location of a resource on the server.</a:t>
+              <a:t>Easy to set up an authentication method.</a:t>
             </a:r>
           </a:p>
           <a:p>
             <a:r>
               <a:rPr lang="en-US" dirty="0"/>
-              <a:t>A response is sent back to the user usually in the XML or JSON format.</a:t>
+              <a:t>There are useful plugins/extensions available for it.</a:t>
             </a:r>
           </a:p>
           <a:p>
             <a:r>
               <a:rPr lang="en-US" dirty="0"/>
-              <a:t>Interaction is made via HTTP verbs (PUT, UPDATE, DELETE, etc.)</a:t>
-            </a:r>
+              <a:t>Can get a web service up and running quickly.</a:t>
+            </a:r>
+          </a:p>
+          <a:p>
+            <a:r>
+              <a:rPr lang="en-US" dirty="0"/>
+              <a:t>It is more secure and takes advantage of SSL (with WS-Security).</a:t>
+            </a:r>
+          </a:p>
+          <a:p>
+            <a:r>
+              <a:rPr lang="en-US" dirty="0"/>
+              <a:t>It is standardized protocol versus other methods. (i.e. RESTful)</a:t>
+            </a:r>
+          </a:p>
+          <a:p>
+            <a:endParaRPr lang="en-US" dirty="0"/>
+          </a:p>
+          <a:p>
+            <a:endParaRPr lang="en-US" dirty="0"/>
+          </a:p>
+          <a:p>
+            <a:endParaRPr lang="en-US" dirty="0"/>
           </a:p>
           <a:p>
             <a:endParaRPr lang="en-US" dirty="0"/>
@@ -6704,7 +6885,7 @@
     </p:spTree>
     <p:extLst>
       <p:ext uri="{BB962C8B-B14F-4D97-AF65-F5344CB8AC3E}">
-        <p14:creationId xmlns:p14="http://schemas.microsoft.com/office/powerpoint/2010/main" val="35368570"/>
+        <p14:creationId xmlns:p14="http://schemas.microsoft.com/office/powerpoint/2010/main" val="1008633566"/>
       </p:ext>
     </p:extLst>
   </p:cSld>
@@ -6736,7 +6917,7 @@
           <p:cNvPr id="2" name="Title 1">
             <a:extLst>
               <a:ext uri="{FF2B5EF4-FFF2-40B4-BE49-F238E27FC236}">
-                <a16:creationId xmlns:a16="http://schemas.microsoft.com/office/drawing/2014/main" id="{3EB9CD36-40EF-460A-B17B-B95CB1A1F06A}"/>
+                <a16:creationId xmlns:a16="http://schemas.microsoft.com/office/drawing/2014/main" id="{4C8604BF-2875-4884-A5CD-F0FB9D5F7C13}"/>
               </a:ext>
             </a:extLst>
           </p:cNvPr>
@@ -6754,7 +6935,7 @@
           <a:p>
             <a:r>
               <a:rPr lang="en-US" dirty="0"/>
-              <a:t>RESTful APIs</a:t>
+              <a:t>Cons of Implementing SOAP</a:t>
             </a:r>
           </a:p>
         </p:txBody>
@@ -6764,7 +6945,7 @@
           <p:cNvPr id="3" name="Content Placeholder 2">
             <a:extLst>
               <a:ext uri="{FF2B5EF4-FFF2-40B4-BE49-F238E27FC236}">
-                <a16:creationId xmlns:a16="http://schemas.microsoft.com/office/drawing/2014/main" id="{6EC186CC-CEAA-4041-B3B6-60924917D08B}"/>
+                <a16:creationId xmlns:a16="http://schemas.microsoft.com/office/drawing/2014/main" id="{FBBDF963-E111-4EF4-9349-157B66E1762A}"/>
               </a:ext>
             </a:extLst>
           </p:cNvPr>
@@ -6783,39 +6964,45 @@
           <a:lstStyle/>
           <a:p>
             <a:r>
-              <a:rPr lang="en-US" dirty="0">
-                <a:hlinkClick r:id="rId2"/>
-              </a:rPr>
-              <a:t>https://dev.to/camerenisonfire/10-intriguing-public-rest-apis-for-your-next-project-2gbd</a:t>
-            </a:r>
-            <a:r>
               <a:rPr lang="en-US" dirty="0"/>
-              <a:t> is an example of a few sites built on RESTful APIs.</a:t>
+              <a:t>Less popular than REST.</a:t>
             </a:r>
           </a:p>
           <a:p>
             <a:r>
               <a:rPr lang="en-US" dirty="0"/>
-              <a:t>They are the web services behind specific websites.</a:t>
+              <a:t>It provides for slower performance due to its XML data.</a:t>
             </a:r>
           </a:p>
           <a:p>
             <a:r>
               <a:rPr lang="en-US" dirty="0"/>
-              <a:t>Popular since they use HTTP as their request method.</a:t>
+              <a:t>It can be highly complex in development.</a:t>
             </a:r>
           </a:p>
           <a:p>
             <a:r>
               <a:rPr lang="en-US" dirty="0"/>
-              <a:t>Are used to program sites that involve the updating and creation of data.</a:t>
+              <a:t>Can only be used with XML data.</a:t>
             </a:r>
           </a:p>
           <a:p>
             <a:r>
               <a:rPr lang="en-US" dirty="0"/>
-              <a:t>Can be programmed in most programming languages.</a:t>
-            </a:r>
+              <a:t>More difficult to test (need to install specific software).</a:t>
+            </a:r>
+          </a:p>
+          <a:p>
+            <a:r>
+              <a:rPr lang="en-US" dirty="0"/>
+              <a:t>Making changes to the code can be more difficult do to WSDL.</a:t>
+            </a:r>
+          </a:p>
+          <a:p>
+            <a:endParaRPr lang="en-US" dirty="0"/>
+          </a:p>
+          <a:p>
+            <a:endParaRPr lang="en-US" dirty="0"/>
           </a:p>
           <a:p>
             <a:endParaRPr lang="en-US" dirty="0"/>
@@ -6828,7 +7015,7 @@
     </p:spTree>
     <p:extLst>
       <p:ext uri="{BB962C8B-B14F-4D97-AF65-F5344CB8AC3E}">
-        <p14:creationId xmlns:p14="http://schemas.microsoft.com/office/powerpoint/2010/main" val="3785406913"/>
+        <p14:creationId xmlns:p14="http://schemas.microsoft.com/office/powerpoint/2010/main" val="465178353"/>
       </p:ext>
     </p:extLst>
   </p:cSld>
@@ -6860,7 +7047,7 @@
           <p:cNvPr id="2" name="Title 1">
             <a:extLst>
               <a:ext uri="{FF2B5EF4-FFF2-40B4-BE49-F238E27FC236}">
-                <a16:creationId xmlns:a16="http://schemas.microsoft.com/office/drawing/2014/main" id="{D4A2622D-73E1-4F62-925F-6CC9B9DEC69B}"/>
+                <a16:creationId xmlns:a16="http://schemas.microsoft.com/office/drawing/2014/main" id="{3EB9CD36-40EF-460A-B17B-B95CB1A1F06A}"/>
               </a:ext>
             </a:extLst>
           </p:cNvPr>
@@ -6878,7 +7065,7 @@
           <a:p>
             <a:r>
               <a:rPr lang="en-US" dirty="0"/>
-              <a:t>RESTful API HTTP Methods</a:t>
+              <a:t>REST vs. SOAP</a:t>
             </a:r>
           </a:p>
         </p:txBody>
@@ -6888,7 +7075,7 @@
           <p:cNvPr id="3" name="Content Placeholder 2">
             <a:extLst>
               <a:ext uri="{FF2B5EF4-FFF2-40B4-BE49-F238E27FC236}">
-                <a16:creationId xmlns:a16="http://schemas.microsoft.com/office/drawing/2014/main" id="{58F00438-5D6B-4564-B2D8-3D3FE2943497}"/>
+                <a16:creationId xmlns:a16="http://schemas.microsoft.com/office/drawing/2014/main" id="{6EC186CC-CEAA-4041-B3B6-60924917D08B}"/>
               </a:ext>
             </a:extLst>
           </p:cNvPr>
@@ -6901,42 +7088,56 @@
         </p:nvSpPr>
         <p:spPr/>
         <p:txBody>
-          <a:bodyPr/>
+          <a:bodyPr>
+            <a:normAutofit fontScale="92500" lnSpcReduction="10000"/>
+          </a:bodyPr>
           <a:lstStyle/>
           <a:p>
             <a:r>
               <a:rPr lang="en-US" dirty="0"/>
-              <a:t>GET – reads the data</a:t>
+              <a:t>REST is not standardized. </a:t>
             </a:r>
           </a:p>
           <a:p>
             <a:r>
               <a:rPr lang="en-US" dirty="0"/>
-              <a:t>PUT – updates or overwrites data</a:t>
+              <a:t>SOAP is a standard protocol.</a:t>
             </a:r>
           </a:p>
           <a:p>
             <a:r>
               <a:rPr lang="en-US" dirty="0"/>
-              <a:t>POST – creates data</a:t>
+              <a:t>RESTful APIs use JSON data as well as other data formats (i.e. XML, images). </a:t>
             </a:r>
           </a:p>
           <a:p>
             <a:r>
               <a:rPr lang="en-US" dirty="0"/>
-              <a:t>DELETE – deletes data</a:t>
+              <a:t>SOAP APIs use only XML data.</a:t>
             </a:r>
           </a:p>
           <a:p>
             <a:r>
               <a:rPr lang="en-US" dirty="0"/>
-              <a:t>PATCH – updates data</a:t>
+              <a:t>SOAP can be used with many protocols. </a:t>
             </a:r>
           </a:p>
           <a:p>
             <a:r>
               <a:rPr lang="en-US" dirty="0"/>
-              <a:t>OPTIONS – used to query the available methods on the server</a:t>
+              <a:t>RESTful APIs use HTTP.</a:t>
+            </a:r>
+          </a:p>
+          <a:p>
+            <a:r>
+              <a:rPr lang="en-US" dirty="0"/>
+              <a:t>RESTful APIs are used for single page apps. </a:t>
+            </a:r>
+          </a:p>
+          <a:p>
+            <a:r>
+              <a:rPr lang="en-US" dirty="0"/>
+              <a:t>SOAP can be used for larger apps such as those in a large company.</a:t>
             </a:r>
           </a:p>
         </p:txBody>
@@ -6944,7 +7145,7 @@
     </p:spTree>
     <p:extLst>
       <p:ext uri="{BB962C8B-B14F-4D97-AF65-F5344CB8AC3E}">
-        <p14:creationId xmlns:p14="http://schemas.microsoft.com/office/powerpoint/2010/main" val="1436053614"/>
+        <p14:creationId xmlns:p14="http://schemas.microsoft.com/office/powerpoint/2010/main" val="3785406913"/>
       </p:ext>
     </p:extLst>
   </p:cSld>
@@ -6976,7 +7177,7 @@
           <p:cNvPr id="2" name="Title 1">
             <a:extLst>
               <a:ext uri="{FF2B5EF4-FFF2-40B4-BE49-F238E27FC236}">
-                <a16:creationId xmlns:a16="http://schemas.microsoft.com/office/drawing/2014/main" id="{97D59CB7-20D8-48AB-9C70-F4F2DC747AE8}"/>
+                <a16:creationId xmlns:a16="http://schemas.microsoft.com/office/drawing/2014/main" id="{EBE66526-7295-40C1-9B2D-97552AC603CB}"/>
               </a:ext>
             </a:extLst>
           </p:cNvPr>
@@ -6994,7 +7195,7 @@
           <a:p>
             <a:r>
               <a:rPr lang="en-US" dirty="0"/>
-              <a:t>Other RESTful API facts</a:t>
+              <a:t>REST Components (Rest vs. SOAP)</a:t>
             </a:r>
           </a:p>
         </p:txBody>
@@ -7004,7 +7205,7 @@
           <p:cNvPr id="3" name="Content Placeholder 2">
             <a:extLst>
               <a:ext uri="{FF2B5EF4-FFF2-40B4-BE49-F238E27FC236}">
-                <a16:creationId xmlns:a16="http://schemas.microsoft.com/office/drawing/2014/main" id="{12F84A1B-5F7A-4DA4-9915-8DAA05A40135}"/>
+                <a16:creationId xmlns:a16="http://schemas.microsoft.com/office/drawing/2014/main" id="{B900E5AC-6FEA-4D9D-A0C6-A0BD0B28E012}"/>
               </a:ext>
             </a:extLst>
           </p:cNvPr>
@@ -7015,53 +7216,52 @@
             <p:ph idx="1"/>
           </p:nvPr>
         </p:nvSpPr>
-        <p:spPr/>
+        <p:spPr>
+          <a:xfrm>
+            <a:off x="752768" y="2064948"/>
+            <a:ext cx="10353762" cy="3714749"/>
+          </a:xfrm>
+        </p:spPr>
         <p:txBody>
           <a:bodyPr>
-            <a:normAutofit/>
+            <a:normAutofit fontScale="85000" lnSpcReduction="20000"/>
           </a:bodyPr>
           <a:lstStyle/>
           <a:p>
             <a:r>
               <a:rPr lang="en-US" dirty="0"/>
-              <a:t>Uses a URI as the main resource that is being requested.</a:t>
+              <a:t>Client – The user’s software that is accessing the data such as a web browser.</a:t>
             </a:r>
           </a:p>
           <a:p>
             <a:r>
               <a:rPr lang="en-US" dirty="0"/>
-              <a:t>URIs are a location of a resource in path / format.</a:t>
-            </a:r>
-          </a:p>
-          <a:p>
-            <a:pPr lvl="1"/>
+              <a:t>Server – The computer that serves the requests and stores the data that is being accessed.</a:t>
+            </a:r>
+          </a:p>
+          <a:p>
             <a:r>
               <a:rPr lang="en-US" dirty="0"/>
-              <a:t>(URLs are different than URIs – they are a link to a page but not necessarily a resource representation.</a:t>
+              <a:t>Resource – Usually identified by a URI location on the server, it is represented by a document located at that URI.</a:t>
             </a:r>
           </a:p>
           <a:p>
             <a:r>
               <a:rPr lang="en-US" dirty="0"/>
-              <a:t>Website communications work via client-server.</a:t>
-            </a:r>
-          </a:p>
-          <a:p>
-            <a:pPr lvl="1"/>
+              <a:t>HTTP Methods – Verbs or a sort of command that is used to access/modify the data such as GET or DELETE.</a:t>
+            </a:r>
+          </a:p>
+          <a:p>
             <a:r>
               <a:rPr lang="en-US" dirty="0"/>
-              <a:t>Client sends a request containing a URI, the method, and parameters.</a:t>
-            </a:r>
-          </a:p>
-          <a:p>
-            <a:pPr lvl="1"/>
+              <a:t>HTTP protocol – a standard based communication on how to communicate over the web.</a:t>
+            </a:r>
+          </a:p>
+          <a:p>
             <a:r>
               <a:rPr lang="en-US" dirty="0"/>
-              <a:t>Server returns a representation in XML or JSON format.</a:t>
-            </a:r>
-          </a:p>
-          <a:p>
-            <a:endParaRPr lang="en-US" dirty="0"/>
+              <a:t>Requests – the actual download for information.</a:t>
+            </a:r>
           </a:p>
           <a:p>
             <a:endParaRPr lang="en-US" dirty="0"/>
@@ -7071,7 +7271,7 @@
     </p:spTree>
     <p:extLst>
       <p:ext uri="{BB962C8B-B14F-4D97-AF65-F5344CB8AC3E}">
-        <p14:creationId xmlns:p14="http://schemas.microsoft.com/office/powerpoint/2010/main" val="1253056727"/>
+        <p14:creationId xmlns:p14="http://schemas.microsoft.com/office/powerpoint/2010/main" val="35368570"/>
       </p:ext>
     </p:extLst>
   </p:cSld>
@@ -7103,7 +7303,7 @@
           <p:cNvPr id="2" name="Title 1">
             <a:extLst>
               <a:ext uri="{FF2B5EF4-FFF2-40B4-BE49-F238E27FC236}">
-                <a16:creationId xmlns:a16="http://schemas.microsoft.com/office/drawing/2014/main" id="{2F87BF15-58A3-4209-B931-3BC537BD6364}"/>
+                <a16:creationId xmlns:a16="http://schemas.microsoft.com/office/drawing/2014/main" id="{EBE66526-7295-40C1-9B2D-97552AC603CB}"/>
               </a:ext>
             </a:extLst>
           </p:cNvPr>
@@ -7121,7 +7321,7 @@
           <a:p>
             <a:r>
               <a:rPr lang="en-US" dirty="0"/>
-              <a:t>RESTful API Pros</a:t>
+              <a:t>SOAP Components (REST vs. SOAP)</a:t>
             </a:r>
           </a:p>
         </p:txBody>
@@ -7131,7 +7331,7 @@
           <p:cNvPr id="3" name="Content Placeholder 2">
             <a:extLst>
               <a:ext uri="{FF2B5EF4-FFF2-40B4-BE49-F238E27FC236}">
-                <a16:creationId xmlns:a16="http://schemas.microsoft.com/office/drawing/2014/main" id="{1298ED73-08F3-4912-A2F8-F98D1497A5F7}"/>
+                <a16:creationId xmlns:a16="http://schemas.microsoft.com/office/drawing/2014/main" id="{B900E5AC-6FEA-4D9D-A0C6-A0BD0B28E012}"/>
               </a:ext>
             </a:extLst>
           </p:cNvPr>
@@ -7142,61 +7342,54 @@
             <p:ph idx="1"/>
           </p:nvPr>
         </p:nvSpPr>
-        <p:spPr/>
+        <p:spPr>
+          <a:xfrm>
+            <a:off x="752768" y="2064948"/>
+            <a:ext cx="10353762" cy="3714749"/>
+          </a:xfrm>
+        </p:spPr>
         <p:txBody>
           <a:bodyPr>
-            <a:normAutofit lnSpcReduction="10000"/>
+            <a:normAutofit fontScale="92500" lnSpcReduction="20000"/>
           </a:bodyPr>
           <a:lstStyle/>
           <a:p>
             <a:r>
               <a:rPr lang="en-US" dirty="0"/>
-              <a:t>It is most popular.</a:t>
+              <a:t>Client – Software that is accessing the data such as a web browser or other programs.</a:t>
             </a:r>
           </a:p>
           <a:p>
             <a:r>
               <a:rPr lang="en-US" dirty="0"/>
-              <a:t>Can be programmed in many languages.</a:t>
+              <a:t>Server – The computer that serves the requests and stores the data that is being accessed.</a:t>
             </a:r>
           </a:p>
           <a:p>
             <a:r>
               <a:rPr lang="en-US" dirty="0"/>
-              <a:t>Are easy to understand, code, and implement.</a:t>
+              <a:t>Data – XML based data  in each request.</a:t>
             </a:r>
           </a:p>
           <a:p>
             <a:r>
               <a:rPr lang="en-US" dirty="0"/>
-              <a:t>Higher performance.</a:t>
+              <a:t>Multiple protocols – multiple communication methods for communicating over the web.</a:t>
             </a:r>
           </a:p>
           <a:p>
             <a:r>
               <a:rPr lang="en-US" dirty="0"/>
-              <a:t>Platform independent.</a:t>
+              <a:t>Requests – the actual download for information.</a:t>
             </a:r>
           </a:p>
           <a:p>
             <a:r>
               <a:rPr lang="en-US" dirty="0"/>
-              <a:t>They are stateless.</a:t>
-            </a:r>
-          </a:p>
-          <a:p>
-            <a:r>
-              <a:rPr lang="en-US" dirty="0"/>
-              <a:t>It is scalable – You can add more nodes.</a:t>
-            </a:r>
-          </a:p>
-          <a:p>
-            <a:endParaRPr lang="en-US" dirty="0"/>
-          </a:p>
-          <a:p>
-            <a:pPr marL="450000" lvl="1" indent="0">
-              <a:buNone/>
-            </a:pPr>
+              <a:t>Security – Used with SSL, WS-Security etc.</a:t>
+            </a:r>
+          </a:p>
+          <a:p>
             <a:endParaRPr lang="en-US" dirty="0"/>
           </a:p>
         </p:txBody>
@@ -7204,7 +7397,7 @@
     </p:spTree>
     <p:extLst>
       <p:ext uri="{BB962C8B-B14F-4D97-AF65-F5344CB8AC3E}">
-        <p14:creationId xmlns:p14="http://schemas.microsoft.com/office/powerpoint/2010/main" val="1590527144"/>
+        <p14:creationId xmlns:p14="http://schemas.microsoft.com/office/powerpoint/2010/main" val="3889058762"/>
       </p:ext>
     </p:extLst>
   </p:cSld>
@@ -7236,7 +7429,7 @@
           <p:cNvPr id="2" name="Title 1">
             <a:extLst>
               <a:ext uri="{FF2B5EF4-FFF2-40B4-BE49-F238E27FC236}">
-                <a16:creationId xmlns:a16="http://schemas.microsoft.com/office/drawing/2014/main" id="{ACDA0D25-AFC8-46B5-93BD-ED29091CB0EE}"/>
+                <a16:creationId xmlns:a16="http://schemas.microsoft.com/office/drawing/2014/main" id="{E3104307-7A46-44DE-A059-A3BFC2C580F7}"/>
               </a:ext>
             </a:extLst>
           </p:cNvPr>
@@ -7254,7 +7447,7 @@
           <a:p>
             <a:r>
               <a:rPr lang="en-US" dirty="0"/>
-              <a:t>RESTful API Cons</a:t>
+              <a:t>SOAP Messages</a:t>
             </a:r>
           </a:p>
         </p:txBody>
@@ -7264,7 +7457,7 @@
           <p:cNvPr id="3" name="Content Placeholder 2">
             <a:extLst>
               <a:ext uri="{FF2B5EF4-FFF2-40B4-BE49-F238E27FC236}">
-                <a16:creationId xmlns:a16="http://schemas.microsoft.com/office/drawing/2014/main" id="{37F9D2C6-2037-4C03-A548-7FDF137B5961}"/>
+                <a16:creationId xmlns:a16="http://schemas.microsoft.com/office/drawing/2014/main" id="{F4277D25-6E68-4573-911F-173D5C6F1E67}"/>
               </a:ext>
             </a:extLst>
           </p:cNvPr>
@@ -7282,54 +7475,53 @@
           <a:p>
             <a:r>
               <a:rPr lang="en-US" dirty="0"/>
-              <a:t>Less secure than other types of APIs</a:t>
-            </a:r>
-          </a:p>
-          <a:p>
+              <a:t>Messages consist of the following: </a:t>
+            </a:r>
+          </a:p>
+          <a:p>
+            <a:pPr lvl="1"/>
             <a:r>
               <a:rPr lang="en-US" dirty="0"/>
-              <a:t>Restricted to one protocol (HTTP).</a:t>
-            </a:r>
-          </a:p>
-          <a:p>
+              <a:t>Envelope – defines the framework/schema</a:t>
+            </a:r>
+            <a:r>
+              <a:rPr lang="en-US"/>
+              <a:t>/namespace.</a:t>
+            </a:r>
+            <a:endParaRPr lang="en-US" dirty="0"/>
+          </a:p>
+          <a:p>
+            <a:pPr lvl="1"/>
             <a:r>
               <a:rPr lang="en-US" dirty="0"/>
-              <a:t>HTTP servers can be bombarded by requests.</a:t>
-            </a:r>
-          </a:p>
-          <a:p>
+              <a:t>Optional Header – may contain authentication information.</a:t>
+            </a:r>
+          </a:p>
+          <a:p>
+            <a:pPr lvl="1"/>
             <a:r>
               <a:rPr lang="en-US" dirty="0"/>
-              <a:t>Limited to only a few HTTP methods.</a:t>
+              <a:t>Body – the actual data.</a:t>
             </a:r>
           </a:p>
           <a:p>
             <a:r>
               <a:rPr lang="en-US" dirty="0"/>
-              <a:t>It is asynchronous.</a:t>
+              <a:t>Sent in XML format.</a:t>
             </a:r>
           </a:p>
           <a:p>
             <a:r>
               <a:rPr lang="en-US" dirty="0"/>
-              <a:t>You have to be connected to the internet to use them.</a:t>
-            </a:r>
-          </a:p>
-          <a:p>
-            <a:endParaRPr lang="en-US" dirty="0"/>
-          </a:p>
-          <a:p>
-            <a:endParaRPr lang="en-US" dirty="0"/>
-          </a:p>
-          <a:p>
-            <a:endParaRPr lang="en-US" dirty="0"/>
+              <a:t>These elements are basically containers of data.</a:t>
+            </a:r>
           </a:p>
         </p:txBody>
       </p:sp>
     </p:spTree>
     <p:extLst>
       <p:ext uri="{BB962C8B-B14F-4D97-AF65-F5344CB8AC3E}">
-        <p14:creationId xmlns:p14="http://schemas.microsoft.com/office/powerpoint/2010/main" val="898766500"/>
+        <p14:creationId xmlns:p14="http://schemas.microsoft.com/office/powerpoint/2010/main" val="114271512"/>
       </p:ext>
     </p:extLst>
   </p:cSld>
@@ -7743,21 +7935,21 @@
 </file>
 
 <file path=customXml/item2.xml><?xml version="1.0" encoding="utf-8"?>
+<p:properties xmlns:p="http://schemas.microsoft.com/office/2006/metadata/properties" xmlns:xsi="http://www.w3.org/2001/XMLSchema-instance" xmlns:pc="http://schemas.microsoft.com/office/infopath/2007/PartnerControls">
+  <documentManagement>
+    <Status xmlns="71af3243-3dd4-4a8d-8c0d-dd76da1f02a5">Not started</Status>
+    <MediaServiceKeyPoints xmlns="71af3243-3dd4-4a8d-8c0d-dd76da1f02a5" xsi:nil="true"/>
+  </documentManagement>
+</p:properties>
+</file>
+
+<file path=customXml/item3.xml><?xml version="1.0" encoding="utf-8"?>
 <?mso-contentType ?>
 <FormTemplates xmlns="http://schemas.microsoft.com/sharepoint/v3/contenttype/forms">
   <Display>DocumentLibraryForm</Display>
   <Edit>DocumentLibraryForm</Edit>
   <New>DocumentLibraryForm</New>
 </FormTemplates>
-</file>
-
-<file path=customXml/item3.xml><?xml version="1.0" encoding="utf-8"?>
-<p:properties xmlns:p="http://schemas.microsoft.com/office/2006/metadata/properties" xmlns:xsi="http://www.w3.org/2001/XMLSchema-instance" xmlns:pc="http://schemas.microsoft.com/office/infopath/2007/PartnerControls">
-  <documentManagement>
-    <Status xmlns="71af3243-3dd4-4a8d-8c0d-dd76da1f02a5">Not started</Status>
-    <MediaServiceKeyPoints xmlns="71af3243-3dd4-4a8d-8c0d-dd76da1f02a5" xsi:nil="true"/>
-  </documentManagement>
-</p:properties>
 </file>
 
 <file path=customXml/itemProps1.xml><?xml version="1.0" encoding="utf-8"?>
@@ -7780,26 +7972,26 @@
 </file>
 
 <file path=customXml/itemProps2.xml><?xml version="1.0" encoding="utf-8"?>
+<ds:datastoreItem xmlns:ds="http://schemas.openxmlformats.org/officeDocument/2006/customXml" ds:itemID="{F7E70FC5-1855-47AB-8CE1-CB3C873A8988}">
+  <ds:schemaRefs>
+    <ds:schemaRef ds:uri="71af3243-3dd4-4a8d-8c0d-dd76da1f02a5"/>
+    <ds:schemaRef ds:uri="16c05727-aa75-4e4a-9b5f-8a80a1165891"/>
+    <ds:schemaRef ds:uri="http://schemas.openxmlformats.org/package/2006/metadata/core-properties"/>
+    <ds:schemaRef ds:uri="http://schemas.microsoft.com/office/2006/documentManagement/types"/>
+    <ds:schemaRef ds:uri="http://purl.org/dc/elements/1.1/"/>
+    <ds:schemaRef ds:uri="http://www.w3.org/XML/1998/namespace"/>
+    <ds:schemaRef ds:uri="http://purl.org/dc/dcmitype/"/>
+    <ds:schemaRef ds:uri="http://schemas.microsoft.com/office/infopath/2007/PartnerControls"/>
+    <ds:schemaRef ds:uri="http://schemas.microsoft.com/office/2006/metadata/properties"/>
+    <ds:schemaRef ds:uri="http://purl.org/dc/terms/"/>
+  </ds:schemaRefs>
+</ds:datastoreItem>
+</file>
+
+<file path=customXml/itemProps3.xml><?xml version="1.0" encoding="utf-8"?>
 <ds:datastoreItem xmlns:ds="http://schemas.openxmlformats.org/officeDocument/2006/customXml" ds:itemID="{30CB38EC-895A-4F8F-8F75-E263501ABB5A}">
   <ds:schemaRefs>
     <ds:schemaRef ds:uri="http://schemas.microsoft.com/sharepoint/v3/contenttype/forms"/>
   </ds:schemaRefs>
 </ds:datastoreItem>
-</file>
-
-<file path=customXml/itemProps3.xml><?xml version="1.0" encoding="utf-8"?>
-<ds:datastoreItem xmlns:ds="http://schemas.openxmlformats.org/officeDocument/2006/customXml" ds:itemID="{F7E70FC5-1855-47AB-8CE1-CB3C873A8988}">
-  <ds:schemaRefs>
-    <ds:schemaRef ds:uri="http://www.w3.org/XML/1998/namespace"/>
-    <ds:schemaRef ds:uri="http://schemas.openxmlformats.org/package/2006/metadata/core-properties"/>
-    <ds:schemaRef ds:uri="71af3243-3dd4-4a8d-8c0d-dd76da1f02a5"/>
-    <ds:schemaRef ds:uri="http://purl.org/dc/dcmitype/"/>
-    <ds:schemaRef ds:uri="http://schemas.microsoft.com/office/infopath/2007/PartnerControls"/>
-    <ds:schemaRef ds:uri="http://purl.org/dc/elements/1.1/"/>
-    <ds:schemaRef ds:uri="http://schemas.microsoft.com/office/2006/documentManagement/types"/>
-    <ds:schemaRef ds:uri="16c05727-aa75-4e4a-9b5f-8a80a1165891"/>
-    <ds:schemaRef ds:uri="http://schemas.microsoft.com/office/2006/metadata/properties"/>
-    <ds:schemaRef ds:uri="http://purl.org/dc/terms/"/>
-  </ds:schemaRefs>
-</ds:datastoreItem>
 </file>